--- a/Slides/Week 3 - Part 1 - Forms.pptx
+++ b/Slides/Week 3 - Part 1 - Forms.pptx
@@ -213,7 +213,7 @@
           <a:p>
             <a:fld id="{F0D054AC-5DE4-420C-84D8-DAC5695D2C3C}" type="datetimeFigureOut">
               <a:rPr lang="en-US" smtClean="0"/>
-              <a:t>12/29/2014</a:t>
+              <a:t>12/30/2014</a:t>
             </a:fld>
             <a:endParaRPr lang="en-US"/>
           </a:p>
@@ -3205,20 +3205,37 @@
         </p:nvSpPr>
         <p:spPr/>
         <p:txBody>
-          <a:bodyPr/>
+          <a:bodyPr>
+            <a:normAutofit fontScale="92500" lnSpcReduction="20000"/>
+          </a:bodyPr>
           <a:lstStyle/>
           <a:p>
             <a:r>
               <a:rPr lang="en-US" dirty="0" smtClean="0"/>
-              <a:t>Christopher Harrison, Content </a:t>
-            </a:r>
+              <a:t>Christopher Harrison</a:t>
+            </a:r>
+          </a:p>
+          <a:p>
             <a:r>
               <a:rPr lang="en-US" dirty="0" smtClean="0"/>
-              <a:t>Developer</a:t>
-            </a:r>
+              <a:t>@</a:t>
+            </a:r>
+            <a:r>
+              <a:rPr lang="en-US" dirty="0" err="1" smtClean="0"/>
+              <a:t>geektrainer</a:t>
+            </a:r>
+            <a:endParaRPr lang="en-US" dirty="0" smtClean="0"/>
+          </a:p>
+          <a:p>
             <a:r>
               <a:rPr lang="en-US" dirty="0" smtClean="0"/>
-              <a:t>, Microsoft</a:t>
+              <a:t>Content Developer</a:t>
+            </a:r>
+          </a:p>
+          <a:p>
+            <a:r>
+              <a:rPr lang="en-US" dirty="0" smtClean="0"/>
+              <a:t>Microsoft</a:t>
             </a:r>
             <a:endParaRPr lang="en-US" dirty="0" smtClean="0"/>
           </a:p>
@@ -4498,10 +4515,6 @@
               <a:rPr lang="en-US" dirty="0" smtClean="0"/>
               <a:t>Button groups</a:t>
             </a:r>
-            <a:r>
-              <a:rPr lang="en-US" dirty="0" smtClean="0"/>
-              <a:t/>
-            </a:r>
             <a:br>
               <a:rPr lang="en-US" dirty="0" smtClean="0"/>
             </a:br>
@@ -4622,6 +4635,13 @@
   <p:clrMapOvr>
     <a:masterClrMapping/>
   </p:clrMapOvr>
+  <p:timing>
+    <p:tnLst>
+      <p:par>
+        <p:cTn id="1" dur="indefinite" restart="never" nodeType="tmRoot"/>
+      </p:par>
+    </p:tnLst>
+  </p:timing>
 </p:sld>
 </file>
 
@@ -4675,6 +4695,13 @@
   <p:clrMapOvr>
     <a:masterClrMapping/>
   </p:clrMapOvr>
+  <p:timing>
+    <p:tnLst>
+      <p:par>
+        <p:cTn id="1" dur="indefinite" restart="never" nodeType="tmRoot"/>
+      </p:par>
+    </p:tnLst>
+  </p:timing>
 </p:sld>
 </file>
 
@@ -5103,6 +5130,13 @@
   <p:clrMapOvr>
     <a:masterClrMapping/>
   </p:clrMapOvr>
+  <p:timing>
+    <p:tnLst>
+      <p:par>
+        <p:cTn id="1" dur="indefinite" restart="never" nodeType="tmRoot"/>
+      </p:par>
+    </p:tnLst>
+  </p:timing>
 </p:sld>
 </file>
 
@@ -5156,6 +5190,13 @@
   <p:clrMapOvr>
     <a:masterClrMapping/>
   </p:clrMapOvr>
+  <p:timing>
+    <p:tnLst>
+      <p:par>
+        <p:cTn id="1" dur="indefinite" restart="never" nodeType="tmRoot"/>
+      </p:par>
+    </p:tnLst>
+  </p:timing>
 </p:sld>
 </file>
 
@@ -5521,6 +5562,13 @@
   <p:clrMapOvr>
     <a:masterClrMapping/>
   </p:clrMapOvr>
+  <p:timing>
+    <p:tnLst>
+      <p:par>
+        <p:cTn id="1" dur="indefinite" restart="never" nodeType="tmRoot"/>
+      </p:par>
+    </p:tnLst>
+  </p:timing>
 </p:sld>
 </file>
 
@@ -6076,21 +6124,6 @@
 </file>
 
 <file path=customXml/item1.xml><?xml version="1.0" encoding="utf-8"?>
-<?mso-contentType ?>
-<FormTemplates xmlns="http://schemas.microsoft.com/sharepoint/v3/contenttype/forms">
-  <Display>DocumentLibraryForm</Display>
-  <Edit>DocumentLibraryForm</Edit>
-  <New>DocumentLibraryForm</New>
-</FormTemplates>
-</file>
-
-<file path=customXml/item2.xml><?xml version="1.0" encoding="utf-8"?>
-<p:properties xmlns:p="http://schemas.microsoft.com/office/2006/metadata/properties" xmlns:xsi="http://www.w3.org/2001/XMLSchema-instance" xmlns:pc="http://schemas.microsoft.com/office/infopath/2007/PartnerControls">
-  <documentManagement/>
-</p:properties>
-</file>
-
-<file path=customXml/item3.xml><?xml version="1.0" encoding="utf-8"?>
 <ct:contentTypeSchema xmlns:ct="http://schemas.microsoft.com/office/2006/metadata/contentType" xmlns:ma="http://schemas.microsoft.com/office/2006/metadata/properties/metaAttributes" ct:_="" ma:_="" ma:contentTypeName="Document" ma:contentTypeID="0x010100A9B9146463917044969030790F8D7E1F" ma:contentTypeVersion="1" ma:contentTypeDescription="Create a new document." ma:contentTypeScope="" ma:versionID="88cb810aac341a62f87e1e4b3de4b413">
   <xsd:schema xmlns:xsd="http://www.w3.org/2001/XMLSchema" xmlns:xs="http://www.w3.org/2001/XMLSchema" xmlns:p="http://schemas.microsoft.com/office/2006/metadata/properties" xmlns:ns3="239b4775-11ac-4188-ac69-b5b775bb2155" targetNamespace="http://schemas.microsoft.com/office/2006/metadata/properties" ma:root="true" ma:fieldsID="a6232b10dbb3dfcaf3920bb7009c4722" ns3:_="">
     <xsd:import namespace="239b4775-11ac-4188-ac69-b5b775bb2155"/>
@@ -6230,10 +6263,35 @@
 </ct:contentTypeSchema>
 </file>
 
+<file path=customXml/item2.xml><?xml version="1.0" encoding="utf-8"?>
+<p:properties xmlns:p="http://schemas.microsoft.com/office/2006/metadata/properties" xmlns:xsi="http://www.w3.org/2001/XMLSchema-instance" xmlns:pc="http://schemas.microsoft.com/office/infopath/2007/PartnerControls">
+  <documentManagement/>
+</p:properties>
+</file>
+
+<file path=customXml/item3.xml><?xml version="1.0" encoding="utf-8"?>
+<?mso-contentType ?>
+<FormTemplates xmlns="http://schemas.microsoft.com/sharepoint/v3/contenttype/forms">
+  <Display>DocumentLibraryForm</Display>
+  <Edit>DocumentLibraryForm</Edit>
+  <New>DocumentLibraryForm</New>
+</FormTemplates>
+</file>
+
 <file path=customXml/itemProps1.xml><?xml version="1.0" encoding="utf-8"?>
-<ds:datastoreItem xmlns:ds="http://schemas.openxmlformats.org/officeDocument/2006/customXml" ds:itemID="{606A4A2F-D536-414F-A6A8-B65706EA048E}">
+<ds:datastoreItem xmlns:ds="http://schemas.openxmlformats.org/officeDocument/2006/customXml" ds:itemID="{A36A52FC-B7FF-4857-853D-F9A69800E89D}">
   <ds:schemaRefs>
-    <ds:schemaRef ds:uri="http://schemas.microsoft.com/sharepoint/v3/contenttype/forms"/>
+    <ds:schemaRef ds:uri="http://schemas.microsoft.com/office/2006/metadata/contentType"/>
+    <ds:schemaRef ds:uri="http://schemas.microsoft.com/office/2006/metadata/properties/metaAttributes"/>
+    <ds:schemaRef ds:uri="http://www.w3.org/2001/XMLSchema"/>
+    <ds:schemaRef ds:uri="http://schemas.microsoft.com/office/2006/metadata/properties"/>
+    <ds:schemaRef ds:uri="239b4775-11ac-4188-ac69-b5b775bb2155"/>
+    <ds:schemaRef ds:uri="http://schemas.microsoft.com/office/2006/documentManagement/types"/>
+    <ds:schemaRef ds:uri="http://schemas.microsoft.com/office/infopath/2007/PartnerControls"/>
+    <ds:schemaRef ds:uri="http://schemas.openxmlformats.org/package/2006/metadata/core-properties"/>
+    <ds:schemaRef ds:uri="http://purl.org/dc/elements/1.1/"/>
+    <ds:schemaRef ds:uri="http://purl.org/dc/terms/"/>
+    <ds:schemaRef ds:uri="http://schemas.microsoft.com/internal/obd"/>
   </ds:schemaRefs>
 </ds:datastoreItem>
 </file>
@@ -6255,19 +6313,9 @@
 </file>
 
 <file path=customXml/itemProps3.xml><?xml version="1.0" encoding="utf-8"?>
-<ds:datastoreItem xmlns:ds="http://schemas.openxmlformats.org/officeDocument/2006/customXml" ds:itemID="{A36A52FC-B7FF-4857-853D-F9A69800E89D}">
+<ds:datastoreItem xmlns:ds="http://schemas.openxmlformats.org/officeDocument/2006/customXml" ds:itemID="{606A4A2F-D536-414F-A6A8-B65706EA048E}">
   <ds:schemaRefs>
-    <ds:schemaRef ds:uri="http://schemas.microsoft.com/office/2006/metadata/contentType"/>
-    <ds:schemaRef ds:uri="http://schemas.microsoft.com/office/2006/metadata/properties/metaAttributes"/>
-    <ds:schemaRef ds:uri="http://www.w3.org/2001/XMLSchema"/>
-    <ds:schemaRef ds:uri="http://schemas.microsoft.com/office/2006/metadata/properties"/>
-    <ds:schemaRef ds:uri="239b4775-11ac-4188-ac69-b5b775bb2155"/>
-    <ds:schemaRef ds:uri="http://schemas.microsoft.com/office/2006/documentManagement/types"/>
-    <ds:schemaRef ds:uri="http://schemas.microsoft.com/office/infopath/2007/PartnerControls"/>
-    <ds:schemaRef ds:uri="http://schemas.openxmlformats.org/package/2006/metadata/core-properties"/>
-    <ds:schemaRef ds:uri="http://purl.org/dc/elements/1.1/"/>
-    <ds:schemaRef ds:uri="http://purl.org/dc/terms/"/>
-    <ds:schemaRef ds:uri="http://schemas.microsoft.com/internal/obd"/>
+    <ds:schemaRef ds:uri="http://schemas.microsoft.com/sharepoint/v3/contenttype/forms"/>
   </ds:schemaRefs>
 </ds:datastoreItem>
 </file>
--- a/Slides/Week 3 - Part 1 - Forms.pptx
+++ b/Slides/Week 3 - Part 1 - Forms.pptx
@@ -5,7 +5,7 @@
     <p:sldMasterId id="2147483660" r:id="rId4"/>
   </p:sldMasterIdLst>
   <p:notesMasterIdLst>
-    <p:notesMasterId r:id="rId19"/>
+    <p:notesMasterId r:id="rId17"/>
   </p:notesMasterIdLst>
   <p:sldIdLst>
     <p:sldId id="257" r:id="rId5"/>
@@ -19,9 +19,7 @@
     <p:sldId id="285" r:id="rId13"/>
     <p:sldId id="283" r:id="rId14"/>
     <p:sldId id="284" r:id="rId15"/>
-    <p:sldId id="288" r:id="rId16"/>
-    <p:sldId id="287" r:id="rId17"/>
-    <p:sldId id="280" r:id="rId18"/>
+    <p:sldId id="280" r:id="rId16"/>
   </p:sldIdLst>
   <p:sldSz cx="12192000" cy="6858000"/>
   <p:notesSz cx="6858000" cy="9144000"/>
@@ -3237,7 +3235,6 @@
               <a:rPr lang="en-US" dirty="0" smtClean="0"/>
               <a:t>Microsoft</a:t>
             </a:r>
-            <a:endParaRPr lang="en-US" dirty="0" smtClean="0"/>
           </a:p>
         </p:txBody>
       </p:sp>
@@ -4543,169 +4540,6 @@
 </file>
 
 <file path=ppt/slides/slide12.xml><?xml version="1.0" encoding="utf-8"?>
-<p:sld xmlns:a="http://schemas.openxmlformats.org/drawingml/2006/main" xmlns:r="http://schemas.openxmlformats.org/officeDocument/2006/relationships" xmlns:p="http://schemas.openxmlformats.org/presentationml/2006/main">
-  <p:cSld>
-    <p:spTree>
-      <p:nvGrpSpPr>
-        <p:cNvPr id="1" name=""/>
-        <p:cNvGrpSpPr/>
-        <p:nvPr/>
-      </p:nvGrpSpPr>
-      <p:grpSpPr>
-        <a:xfrm>
-          <a:off x="0" y="0"/>
-          <a:ext cx="0" cy="0"/>
-          <a:chOff x="0" y="0"/>
-          <a:chExt cx="0" cy="0"/>
-        </a:xfrm>
-      </p:grpSpPr>
-      <p:sp>
-        <p:nvSpPr>
-          <p:cNvPr id="3" name="Title 2"/>
-          <p:cNvSpPr>
-            <a:spLocks noGrp="1"/>
-          </p:cNvSpPr>
-          <p:nvPr>
-            <p:ph type="title"/>
-          </p:nvPr>
-        </p:nvSpPr>
-        <p:spPr/>
-        <p:txBody>
-          <a:bodyPr/>
-          <a:lstStyle/>
-          <a:p>
-            <a:r>
-              <a:rPr lang="en-US" dirty="0" smtClean="0"/>
-              <a:t>Button dropdowns</a:t>
-            </a:r>
-            <a:endParaRPr lang="en-US" dirty="0"/>
-          </a:p>
-        </p:txBody>
-      </p:sp>
-      <p:sp>
-        <p:nvSpPr>
-          <p:cNvPr id="4" name="Content Placeholder 3"/>
-          <p:cNvSpPr>
-            <a:spLocks noGrp="1"/>
-          </p:cNvSpPr>
-          <p:nvPr>
-            <p:ph sz="quarter" idx="10"/>
-          </p:nvPr>
-        </p:nvSpPr>
-        <p:spPr/>
-        <p:txBody>
-          <a:bodyPr/>
-          <a:lstStyle/>
-          <a:p>
-            <a:r>
-              <a:rPr lang="en-US" dirty="0" smtClean="0"/>
-              <a:t>Enhance buttons with dropdowns</a:t>
-            </a:r>
-          </a:p>
-          <a:p>
-            <a:r>
-              <a:rPr lang="en-US" dirty="0" smtClean="0"/>
-              <a:t>Useful for multiple choices when submitting a form</a:t>
-            </a:r>
-          </a:p>
-          <a:p>
-            <a:pPr lvl="1"/>
-            <a:r>
-              <a:rPr lang="en-US" dirty="0" smtClean="0"/>
-              <a:t>Save as draft</a:t>
-            </a:r>
-          </a:p>
-          <a:p>
-            <a:pPr lvl="1"/>
-            <a:r>
-              <a:rPr lang="en-US" dirty="0" smtClean="0"/>
-              <a:t>Customize options</a:t>
-            </a:r>
-            <a:endParaRPr lang="en-US" dirty="0"/>
-          </a:p>
-        </p:txBody>
-      </p:sp>
-    </p:spTree>
-    <p:extLst>
-      <p:ext uri="{BB962C8B-B14F-4D97-AF65-F5344CB8AC3E}">
-        <p14:creationId xmlns:p14="http://schemas.microsoft.com/office/powerpoint/2010/main" val="702584237"/>
-      </p:ext>
-    </p:extLst>
-  </p:cSld>
-  <p:clrMapOvr>
-    <a:masterClrMapping/>
-  </p:clrMapOvr>
-  <p:timing>
-    <p:tnLst>
-      <p:par>
-        <p:cTn id="1" dur="indefinite" restart="never" nodeType="tmRoot"/>
-      </p:par>
-    </p:tnLst>
-  </p:timing>
-</p:sld>
-</file>
-
-<file path=ppt/slides/slide13.xml><?xml version="1.0" encoding="utf-8"?>
-<p:sld xmlns:a="http://schemas.openxmlformats.org/drawingml/2006/main" xmlns:r="http://schemas.openxmlformats.org/officeDocument/2006/relationships" xmlns:p="http://schemas.openxmlformats.org/presentationml/2006/main">
-  <p:cSld>
-    <p:spTree>
-      <p:nvGrpSpPr>
-        <p:cNvPr id="1" name=""/>
-        <p:cNvGrpSpPr/>
-        <p:nvPr/>
-      </p:nvGrpSpPr>
-      <p:grpSpPr>
-        <a:xfrm>
-          <a:off x="0" y="0"/>
-          <a:ext cx="0" cy="0"/>
-          <a:chOff x="0" y="0"/>
-          <a:chExt cx="0" cy="0"/>
-        </a:xfrm>
-      </p:grpSpPr>
-      <p:sp>
-        <p:nvSpPr>
-          <p:cNvPr id="2" name="Title 1"/>
-          <p:cNvSpPr>
-            <a:spLocks noGrp="1"/>
-          </p:cNvSpPr>
-          <p:nvPr>
-            <p:ph type="title"/>
-          </p:nvPr>
-        </p:nvSpPr>
-        <p:spPr/>
-        <p:txBody>
-          <a:bodyPr/>
-          <a:lstStyle/>
-          <a:p>
-            <a:r>
-              <a:rPr lang="en-US" dirty="0" smtClean="0"/>
-              <a:t>Button dropdowns</a:t>
-            </a:r>
-            <a:endParaRPr lang="en-US" dirty="0"/>
-          </a:p>
-        </p:txBody>
-      </p:sp>
-    </p:spTree>
-    <p:extLst>
-      <p:ext uri="{BB962C8B-B14F-4D97-AF65-F5344CB8AC3E}">
-        <p14:creationId xmlns:p14="http://schemas.microsoft.com/office/powerpoint/2010/main" val="126726728"/>
-      </p:ext>
-    </p:extLst>
-  </p:cSld>
-  <p:clrMapOvr>
-    <a:masterClrMapping/>
-  </p:clrMapOvr>
-  <p:timing>
-    <p:tnLst>
-      <p:par>
-        <p:cTn id="1" dur="indefinite" restart="never" nodeType="tmRoot"/>
-      </p:par>
-    </p:tnLst>
-  </p:timing>
-</p:sld>
-</file>
-
-<file path=ppt/slides/slide14.xml><?xml version="1.0" encoding="utf-8"?>
 <p:sld xmlns:a="http://schemas.openxmlformats.org/drawingml/2006/main" xmlns:r="http://schemas.openxmlformats.org/officeDocument/2006/relationships" xmlns:p="http://schemas.openxmlformats.org/presentationml/2006/main">
   <p:cSld>
     <p:spTree>
@@ -6264,18 +6098,18 @@
 </file>
 
 <file path=customXml/item2.xml><?xml version="1.0" encoding="utf-8"?>
-<p:properties xmlns:p="http://schemas.microsoft.com/office/2006/metadata/properties" xmlns:xsi="http://www.w3.org/2001/XMLSchema-instance" xmlns:pc="http://schemas.microsoft.com/office/infopath/2007/PartnerControls">
-  <documentManagement/>
-</p:properties>
-</file>
-
-<file path=customXml/item3.xml><?xml version="1.0" encoding="utf-8"?>
 <?mso-contentType ?>
 <FormTemplates xmlns="http://schemas.microsoft.com/sharepoint/v3/contenttype/forms">
   <Display>DocumentLibraryForm</Display>
   <Edit>DocumentLibraryForm</Edit>
   <New>DocumentLibraryForm</New>
 </FormTemplates>
+</file>
+
+<file path=customXml/item3.xml><?xml version="1.0" encoding="utf-8"?>
+<p:properties xmlns:p="http://schemas.microsoft.com/office/2006/metadata/properties" xmlns:xsi="http://www.w3.org/2001/XMLSchema-instance" xmlns:pc="http://schemas.microsoft.com/office/infopath/2007/PartnerControls">
+  <documentManagement/>
+</p:properties>
 </file>
 
 <file path=customXml/itemProps1.xml><?xml version="1.0" encoding="utf-8"?>
@@ -6297,6 +6131,14 @@
 </file>
 
 <file path=customXml/itemProps2.xml><?xml version="1.0" encoding="utf-8"?>
+<ds:datastoreItem xmlns:ds="http://schemas.openxmlformats.org/officeDocument/2006/customXml" ds:itemID="{606A4A2F-D536-414F-A6A8-B65706EA048E}">
+  <ds:schemaRefs>
+    <ds:schemaRef ds:uri="http://schemas.microsoft.com/sharepoint/v3/contenttype/forms"/>
+  </ds:schemaRefs>
+</ds:datastoreItem>
+</file>
+
+<file path=customXml/itemProps3.xml><?xml version="1.0" encoding="utf-8"?>
 <ds:datastoreItem xmlns:ds="http://schemas.openxmlformats.org/officeDocument/2006/customXml" ds:itemID="{2C359FA1-DD3A-49D9-8299-D7EB8CDA4CEF}">
   <ds:schemaRefs>
     <ds:schemaRef ds:uri="http://purl.org/dc/elements/1.1/"/>
@@ -6310,12 +6152,4 @@
     <ds:schemaRef ds:uri="http://www.w3.org/XML/1998/namespace"/>
   </ds:schemaRefs>
 </ds:datastoreItem>
-</file>
-
-<file path=customXml/itemProps3.xml><?xml version="1.0" encoding="utf-8"?>
-<ds:datastoreItem xmlns:ds="http://schemas.openxmlformats.org/officeDocument/2006/customXml" ds:itemID="{606A4A2F-D536-414F-A6A8-B65706EA048E}">
-  <ds:schemaRefs>
-    <ds:schemaRef ds:uri="http://schemas.microsoft.com/sharepoint/v3/contenttype/forms"/>
-  </ds:schemaRefs>
-</ds:datastoreItem>
 </file>